--- a/ppt 16-9/0682.我跪在主面前.pptx
+++ b/ppt 16-9/0682.我跪在主面前.pptx
@@ -5,7 +5,7 @@
     <p:sldMasterId id="2147483648" r:id="rId1"/>
   </p:sldMasterIdLst>
   <p:sldIdLst>
-    <p:sldId id="2491" r:id="rId2"/>
+    <p:sldId id="2492" r:id="rId2"/>
   </p:sldIdLst>
   <p:sldSz cx="12192000" cy="6858000"/>
   <p:notesSz cx="6858000" cy="9144000"/>
@@ -129,7 +129,7 @@
           <p:cNvPr id="2" name="标题 1">
             <a:extLst>
               <a:ext uri="{FF2B5EF4-FFF2-40B4-BE49-F238E27FC236}">
-                <a16:creationId xmlns:a16="http://schemas.microsoft.com/office/drawing/2014/main" id="{A7E7DF0B-3238-8EAC-3B07-639A7C409AD8}"/>
+                <a16:creationId xmlns:a16="http://schemas.microsoft.com/office/drawing/2014/main" id="{777A6FE9-3D60-9984-4634-7C137627EB70}"/>
               </a:ext>
             </a:extLst>
           </p:cNvPr>
@@ -166,7 +166,7 @@
           <p:cNvPr id="3" name="副标题 2">
             <a:extLst>
               <a:ext uri="{FF2B5EF4-FFF2-40B4-BE49-F238E27FC236}">
-                <a16:creationId xmlns:a16="http://schemas.microsoft.com/office/drawing/2014/main" id="{D941650F-15D2-2C28-DA97-886CEBC60050}"/>
+                <a16:creationId xmlns:a16="http://schemas.microsoft.com/office/drawing/2014/main" id="{BA13F834-6FD0-330D-9825-D34A25192349}"/>
               </a:ext>
             </a:extLst>
           </p:cNvPr>
@@ -236,7 +236,7 @@
           <p:cNvPr id="4" name="日期占位符 3">
             <a:extLst>
               <a:ext uri="{FF2B5EF4-FFF2-40B4-BE49-F238E27FC236}">
-                <a16:creationId xmlns:a16="http://schemas.microsoft.com/office/drawing/2014/main" id="{F03AB05E-177F-862D-C3D2-82D324F26FAC}"/>
+                <a16:creationId xmlns:a16="http://schemas.microsoft.com/office/drawing/2014/main" id="{2024E60B-0CCB-7220-B1A8-C8BBECD4F9CB}"/>
               </a:ext>
             </a:extLst>
           </p:cNvPr>
@@ -252,7 +252,7 @@
           <a:bodyPr/>
           <a:lstStyle/>
           <a:p>
-            <a:fld id="{6758F69F-C108-4077-AD7F-315F5E245E4C}" type="datetimeFigureOut">
+            <a:fld id="{7FFA9157-9C36-4345-B00E-A3BCD445774E}" type="datetimeFigureOut">
               <a:rPr lang="zh-CN" altLang="en-US" smtClean="0"/>
               <a:t>2024/3/10</a:t>
             </a:fld>
@@ -265,7 +265,7 @@
           <p:cNvPr id="5" name="页脚占位符 4">
             <a:extLst>
               <a:ext uri="{FF2B5EF4-FFF2-40B4-BE49-F238E27FC236}">
-                <a16:creationId xmlns:a16="http://schemas.microsoft.com/office/drawing/2014/main" id="{F27E33AF-7503-5B01-D321-6BB2BF76C261}"/>
+                <a16:creationId xmlns:a16="http://schemas.microsoft.com/office/drawing/2014/main" id="{E2BA3811-B73F-CF2C-5A4F-8718430B559D}"/>
               </a:ext>
             </a:extLst>
           </p:cNvPr>
@@ -290,7 +290,7 @@
           <p:cNvPr id="6" name="灯片编号占位符 5">
             <a:extLst>
               <a:ext uri="{FF2B5EF4-FFF2-40B4-BE49-F238E27FC236}">
-                <a16:creationId xmlns:a16="http://schemas.microsoft.com/office/drawing/2014/main" id="{D940CF39-3D0B-872E-505C-62DDDFE4E302}"/>
+                <a16:creationId xmlns:a16="http://schemas.microsoft.com/office/drawing/2014/main" id="{65BF9832-67BC-5116-F9D0-984FDDEF297E}"/>
               </a:ext>
             </a:extLst>
           </p:cNvPr>
@@ -306,7 +306,7 @@
           <a:bodyPr/>
           <a:lstStyle/>
           <a:p>
-            <a:fld id="{FD08BD83-F1E9-4286-975E-E382552E5406}" type="slidenum">
+            <a:fld id="{78B78BC1-CC74-42E1-AC55-73C3574E4544}" type="slidenum">
               <a:rPr lang="zh-CN" altLang="en-US" smtClean="0"/>
               <a:t>‹#›</a:t>
             </a:fld>
@@ -317,7 +317,7 @@
     </p:spTree>
     <p:extLst>
       <p:ext uri="{BB962C8B-B14F-4D97-AF65-F5344CB8AC3E}">
-        <p14:creationId xmlns:p14="http://schemas.microsoft.com/office/powerpoint/2010/main" val="2408621396"/>
+        <p14:creationId xmlns:p14="http://schemas.microsoft.com/office/powerpoint/2010/main" val="2590006968"/>
       </p:ext>
     </p:extLst>
   </p:cSld>
@@ -349,7 +349,7 @@
           <p:cNvPr id="2" name="标题 1">
             <a:extLst>
               <a:ext uri="{FF2B5EF4-FFF2-40B4-BE49-F238E27FC236}">
-                <a16:creationId xmlns:a16="http://schemas.microsoft.com/office/drawing/2014/main" id="{E7F1CE60-0028-E25D-7917-A837999C7143}"/>
+                <a16:creationId xmlns:a16="http://schemas.microsoft.com/office/drawing/2014/main" id="{0CD03D39-2B81-1538-9BF0-0E57102F0C18}"/>
               </a:ext>
             </a:extLst>
           </p:cNvPr>
@@ -377,7 +377,7 @@
           <p:cNvPr id="3" name="竖排文字占位符 2">
             <a:extLst>
               <a:ext uri="{FF2B5EF4-FFF2-40B4-BE49-F238E27FC236}">
-                <a16:creationId xmlns:a16="http://schemas.microsoft.com/office/drawing/2014/main" id="{EBF9F3C5-DF71-11AE-5B0A-AB1AE95E7C42}"/>
+                <a16:creationId xmlns:a16="http://schemas.microsoft.com/office/drawing/2014/main" id="{F91B93C1-8587-E380-D552-475865D38AE1}"/>
               </a:ext>
             </a:extLst>
           </p:cNvPr>
@@ -434,7 +434,7 @@
           <p:cNvPr id="4" name="日期占位符 3">
             <a:extLst>
               <a:ext uri="{FF2B5EF4-FFF2-40B4-BE49-F238E27FC236}">
-                <a16:creationId xmlns:a16="http://schemas.microsoft.com/office/drawing/2014/main" id="{C30733C2-A0C4-8996-8FC6-A9533627012C}"/>
+                <a16:creationId xmlns:a16="http://schemas.microsoft.com/office/drawing/2014/main" id="{830516D0-F8AC-BE62-EC01-1F8BF6950EB7}"/>
               </a:ext>
             </a:extLst>
           </p:cNvPr>
@@ -450,7 +450,7 @@
           <a:bodyPr/>
           <a:lstStyle/>
           <a:p>
-            <a:fld id="{6758F69F-C108-4077-AD7F-315F5E245E4C}" type="datetimeFigureOut">
+            <a:fld id="{7FFA9157-9C36-4345-B00E-A3BCD445774E}" type="datetimeFigureOut">
               <a:rPr lang="zh-CN" altLang="en-US" smtClean="0"/>
               <a:t>2024/3/10</a:t>
             </a:fld>
@@ -463,7 +463,7 @@
           <p:cNvPr id="5" name="页脚占位符 4">
             <a:extLst>
               <a:ext uri="{FF2B5EF4-FFF2-40B4-BE49-F238E27FC236}">
-                <a16:creationId xmlns:a16="http://schemas.microsoft.com/office/drawing/2014/main" id="{764715E4-683B-D676-3515-7D5EADF1751E}"/>
+                <a16:creationId xmlns:a16="http://schemas.microsoft.com/office/drawing/2014/main" id="{D1A06D6B-D49B-7C81-CFFC-C2102C7A40A6}"/>
               </a:ext>
             </a:extLst>
           </p:cNvPr>
@@ -488,7 +488,7 @@
           <p:cNvPr id="6" name="灯片编号占位符 5">
             <a:extLst>
               <a:ext uri="{FF2B5EF4-FFF2-40B4-BE49-F238E27FC236}">
-                <a16:creationId xmlns:a16="http://schemas.microsoft.com/office/drawing/2014/main" id="{D18FB99B-4670-FA5C-CF20-4B92DB257420}"/>
+                <a16:creationId xmlns:a16="http://schemas.microsoft.com/office/drawing/2014/main" id="{6B5E70D6-875A-2B06-DDFD-324B4CCD4F39}"/>
               </a:ext>
             </a:extLst>
           </p:cNvPr>
@@ -504,7 +504,7 @@
           <a:bodyPr/>
           <a:lstStyle/>
           <a:p>
-            <a:fld id="{FD08BD83-F1E9-4286-975E-E382552E5406}" type="slidenum">
+            <a:fld id="{78B78BC1-CC74-42E1-AC55-73C3574E4544}" type="slidenum">
               <a:rPr lang="zh-CN" altLang="en-US" smtClean="0"/>
               <a:t>‹#›</a:t>
             </a:fld>
@@ -515,7 +515,7 @@
     </p:spTree>
     <p:extLst>
       <p:ext uri="{BB962C8B-B14F-4D97-AF65-F5344CB8AC3E}">
-        <p14:creationId xmlns:p14="http://schemas.microsoft.com/office/powerpoint/2010/main" val="3581190656"/>
+        <p14:creationId xmlns:p14="http://schemas.microsoft.com/office/powerpoint/2010/main" val="2245836981"/>
       </p:ext>
     </p:extLst>
   </p:cSld>
@@ -547,7 +547,7 @@
           <p:cNvPr id="2" name="竖排标题 1">
             <a:extLst>
               <a:ext uri="{FF2B5EF4-FFF2-40B4-BE49-F238E27FC236}">
-                <a16:creationId xmlns:a16="http://schemas.microsoft.com/office/drawing/2014/main" id="{519BFD49-1D76-53D9-D3A5-C33997B3F1ED}"/>
+                <a16:creationId xmlns:a16="http://schemas.microsoft.com/office/drawing/2014/main" id="{AEBFA086-4FAE-65EE-15B2-D7B124403DDD}"/>
               </a:ext>
             </a:extLst>
           </p:cNvPr>
@@ -580,7 +580,7 @@
           <p:cNvPr id="3" name="竖排文字占位符 2">
             <a:extLst>
               <a:ext uri="{FF2B5EF4-FFF2-40B4-BE49-F238E27FC236}">
-                <a16:creationId xmlns:a16="http://schemas.microsoft.com/office/drawing/2014/main" id="{7965EAB0-7C99-55DD-1689-6CB8A4C6861B}"/>
+                <a16:creationId xmlns:a16="http://schemas.microsoft.com/office/drawing/2014/main" id="{CE593A84-1090-4C9D-92B4-FC8B98C3FA42}"/>
               </a:ext>
             </a:extLst>
           </p:cNvPr>
@@ -642,7 +642,7 @@
           <p:cNvPr id="4" name="日期占位符 3">
             <a:extLst>
               <a:ext uri="{FF2B5EF4-FFF2-40B4-BE49-F238E27FC236}">
-                <a16:creationId xmlns:a16="http://schemas.microsoft.com/office/drawing/2014/main" id="{0B1A86C2-FE31-6658-CF61-2015E63D79B7}"/>
+                <a16:creationId xmlns:a16="http://schemas.microsoft.com/office/drawing/2014/main" id="{6A6982DE-3745-E764-37B3-31EEAF2DBA20}"/>
               </a:ext>
             </a:extLst>
           </p:cNvPr>
@@ -658,7 +658,7 @@
           <a:bodyPr/>
           <a:lstStyle/>
           <a:p>
-            <a:fld id="{6758F69F-C108-4077-AD7F-315F5E245E4C}" type="datetimeFigureOut">
+            <a:fld id="{7FFA9157-9C36-4345-B00E-A3BCD445774E}" type="datetimeFigureOut">
               <a:rPr lang="zh-CN" altLang="en-US" smtClean="0"/>
               <a:t>2024/3/10</a:t>
             </a:fld>
@@ -671,7 +671,7 @@
           <p:cNvPr id="5" name="页脚占位符 4">
             <a:extLst>
               <a:ext uri="{FF2B5EF4-FFF2-40B4-BE49-F238E27FC236}">
-                <a16:creationId xmlns:a16="http://schemas.microsoft.com/office/drawing/2014/main" id="{01A3781A-2DB1-B09B-3F66-13BB9831271B}"/>
+                <a16:creationId xmlns:a16="http://schemas.microsoft.com/office/drawing/2014/main" id="{0A726D01-5C5D-C238-0268-5984F8E26B2B}"/>
               </a:ext>
             </a:extLst>
           </p:cNvPr>
@@ -696,7 +696,7 @@
           <p:cNvPr id="6" name="灯片编号占位符 5">
             <a:extLst>
               <a:ext uri="{FF2B5EF4-FFF2-40B4-BE49-F238E27FC236}">
-                <a16:creationId xmlns:a16="http://schemas.microsoft.com/office/drawing/2014/main" id="{FC147192-BC12-ABB6-C10D-C4D2E2C6A467}"/>
+                <a16:creationId xmlns:a16="http://schemas.microsoft.com/office/drawing/2014/main" id="{F8CEEF9A-1CD5-8D8D-F1E2-7DF1B6F29505}"/>
               </a:ext>
             </a:extLst>
           </p:cNvPr>
@@ -712,7 +712,7 @@
           <a:bodyPr/>
           <a:lstStyle/>
           <a:p>
-            <a:fld id="{FD08BD83-F1E9-4286-975E-E382552E5406}" type="slidenum">
+            <a:fld id="{78B78BC1-CC74-42E1-AC55-73C3574E4544}" type="slidenum">
               <a:rPr lang="zh-CN" altLang="en-US" smtClean="0"/>
               <a:t>‹#›</a:t>
             </a:fld>
@@ -723,7 +723,7 @@
     </p:spTree>
     <p:extLst>
       <p:ext uri="{BB962C8B-B14F-4D97-AF65-F5344CB8AC3E}">
-        <p14:creationId xmlns:p14="http://schemas.microsoft.com/office/powerpoint/2010/main" val="988685838"/>
+        <p14:creationId xmlns:p14="http://schemas.microsoft.com/office/powerpoint/2010/main" val="3031650801"/>
       </p:ext>
     </p:extLst>
   </p:cSld>
@@ -755,7 +755,7 @@
           <p:cNvPr id="2" name="标题 1">
             <a:extLst>
               <a:ext uri="{FF2B5EF4-FFF2-40B4-BE49-F238E27FC236}">
-                <a16:creationId xmlns:a16="http://schemas.microsoft.com/office/drawing/2014/main" id="{AC47DDDB-86DC-FE66-A840-0E8A7C580AC0}"/>
+                <a16:creationId xmlns:a16="http://schemas.microsoft.com/office/drawing/2014/main" id="{69D8F9D4-A215-1EC2-AAEB-2787300984FE}"/>
               </a:ext>
             </a:extLst>
           </p:cNvPr>
@@ -783,7 +783,7 @@
           <p:cNvPr id="3" name="内容占位符 2">
             <a:extLst>
               <a:ext uri="{FF2B5EF4-FFF2-40B4-BE49-F238E27FC236}">
-                <a16:creationId xmlns:a16="http://schemas.microsoft.com/office/drawing/2014/main" id="{9DB0F23B-30C9-8FEB-323C-F8EF98F3E67B}"/>
+                <a16:creationId xmlns:a16="http://schemas.microsoft.com/office/drawing/2014/main" id="{A94E5B1B-326B-8E8A-B2C7-4D81DFB5798A}"/>
               </a:ext>
             </a:extLst>
           </p:cNvPr>
@@ -840,7 +840,7 @@
           <p:cNvPr id="4" name="日期占位符 3">
             <a:extLst>
               <a:ext uri="{FF2B5EF4-FFF2-40B4-BE49-F238E27FC236}">
-                <a16:creationId xmlns:a16="http://schemas.microsoft.com/office/drawing/2014/main" id="{EDD1361A-1B41-86FD-087D-1569BE0E52A1}"/>
+                <a16:creationId xmlns:a16="http://schemas.microsoft.com/office/drawing/2014/main" id="{1265EDE8-3430-D329-8E98-B075A491EB95}"/>
               </a:ext>
             </a:extLst>
           </p:cNvPr>
@@ -856,7 +856,7 @@
           <a:bodyPr/>
           <a:lstStyle/>
           <a:p>
-            <a:fld id="{6758F69F-C108-4077-AD7F-315F5E245E4C}" type="datetimeFigureOut">
+            <a:fld id="{7FFA9157-9C36-4345-B00E-A3BCD445774E}" type="datetimeFigureOut">
               <a:rPr lang="zh-CN" altLang="en-US" smtClean="0"/>
               <a:t>2024/3/10</a:t>
             </a:fld>
@@ -869,7 +869,7 @@
           <p:cNvPr id="5" name="页脚占位符 4">
             <a:extLst>
               <a:ext uri="{FF2B5EF4-FFF2-40B4-BE49-F238E27FC236}">
-                <a16:creationId xmlns:a16="http://schemas.microsoft.com/office/drawing/2014/main" id="{28F463EC-C028-A386-8736-F5AA0E2FC505}"/>
+                <a16:creationId xmlns:a16="http://schemas.microsoft.com/office/drawing/2014/main" id="{1E3556A6-F65F-B6E1-0F35-B9ADB7034E5D}"/>
               </a:ext>
             </a:extLst>
           </p:cNvPr>
@@ -894,7 +894,7 @@
           <p:cNvPr id="6" name="灯片编号占位符 5">
             <a:extLst>
               <a:ext uri="{FF2B5EF4-FFF2-40B4-BE49-F238E27FC236}">
-                <a16:creationId xmlns:a16="http://schemas.microsoft.com/office/drawing/2014/main" id="{57CBAAB1-724F-AA52-03EF-96179E052BA5}"/>
+                <a16:creationId xmlns:a16="http://schemas.microsoft.com/office/drawing/2014/main" id="{EA3D8104-2BFD-863E-8524-CDE73FDBA823}"/>
               </a:ext>
             </a:extLst>
           </p:cNvPr>
@@ -910,7 +910,7 @@
           <a:bodyPr/>
           <a:lstStyle/>
           <a:p>
-            <a:fld id="{FD08BD83-F1E9-4286-975E-E382552E5406}" type="slidenum">
+            <a:fld id="{78B78BC1-CC74-42E1-AC55-73C3574E4544}" type="slidenum">
               <a:rPr lang="zh-CN" altLang="en-US" smtClean="0"/>
               <a:t>‹#›</a:t>
             </a:fld>
@@ -921,7 +921,7 @@
     </p:spTree>
     <p:extLst>
       <p:ext uri="{BB962C8B-B14F-4D97-AF65-F5344CB8AC3E}">
-        <p14:creationId xmlns:p14="http://schemas.microsoft.com/office/powerpoint/2010/main" val="703228109"/>
+        <p14:creationId xmlns:p14="http://schemas.microsoft.com/office/powerpoint/2010/main" val="3166293807"/>
       </p:ext>
     </p:extLst>
   </p:cSld>
@@ -953,7 +953,7 @@
           <p:cNvPr id="2" name="标题 1">
             <a:extLst>
               <a:ext uri="{FF2B5EF4-FFF2-40B4-BE49-F238E27FC236}">
-                <a16:creationId xmlns:a16="http://schemas.microsoft.com/office/drawing/2014/main" id="{46F8EDFF-6CB7-FE1B-FDB4-24D9FD0C17E4}"/>
+                <a16:creationId xmlns:a16="http://schemas.microsoft.com/office/drawing/2014/main" id="{50EA509A-D97C-E506-5F5E-D2E5079B3890}"/>
               </a:ext>
             </a:extLst>
           </p:cNvPr>
@@ -990,7 +990,7 @@
           <p:cNvPr id="3" name="文本占位符 2">
             <a:extLst>
               <a:ext uri="{FF2B5EF4-FFF2-40B4-BE49-F238E27FC236}">
-                <a16:creationId xmlns:a16="http://schemas.microsoft.com/office/drawing/2014/main" id="{EF45A49E-EE7A-DA15-7624-595CE350ECA4}"/>
+                <a16:creationId xmlns:a16="http://schemas.microsoft.com/office/drawing/2014/main" id="{228E39AD-2A07-A10B-3AE9-BB6EE3B68246}"/>
               </a:ext>
             </a:extLst>
           </p:cNvPr>
@@ -1115,7 +1115,7 @@
           <p:cNvPr id="4" name="日期占位符 3">
             <a:extLst>
               <a:ext uri="{FF2B5EF4-FFF2-40B4-BE49-F238E27FC236}">
-                <a16:creationId xmlns:a16="http://schemas.microsoft.com/office/drawing/2014/main" id="{E573546C-F820-F312-EB43-D46B307DAFCF}"/>
+                <a16:creationId xmlns:a16="http://schemas.microsoft.com/office/drawing/2014/main" id="{A94F9806-4057-CB2B-977B-270A5009F014}"/>
               </a:ext>
             </a:extLst>
           </p:cNvPr>
@@ -1131,7 +1131,7 @@
           <a:bodyPr/>
           <a:lstStyle/>
           <a:p>
-            <a:fld id="{6758F69F-C108-4077-AD7F-315F5E245E4C}" type="datetimeFigureOut">
+            <a:fld id="{7FFA9157-9C36-4345-B00E-A3BCD445774E}" type="datetimeFigureOut">
               <a:rPr lang="zh-CN" altLang="en-US" smtClean="0"/>
               <a:t>2024/3/10</a:t>
             </a:fld>
@@ -1144,7 +1144,7 @@
           <p:cNvPr id="5" name="页脚占位符 4">
             <a:extLst>
               <a:ext uri="{FF2B5EF4-FFF2-40B4-BE49-F238E27FC236}">
-                <a16:creationId xmlns:a16="http://schemas.microsoft.com/office/drawing/2014/main" id="{2362B999-A304-A8FB-F784-4531772385FC}"/>
+                <a16:creationId xmlns:a16="http://schemas.microsoft.com/office/drawing/2014/main" id="{68D316DF-7ECF-D6C3-3378-BEF64D8CF1BF}"/>
               </a:ext>
             </a:extLst>
           </p:cNvPr>
@@ -1169,7 +1169,7 @@
           <p:cNvPr id="6" name="灯片编号占位符 5">
             <a:extLst>
               <a:ext uri="{FF2B5EF4-FFF2-40B4-BE49-F238E27FC236}">
-                <a16:creationId xmlns:a16="http://schemas.microsoft.com/office/drawing/2014/main" id="{029FE930-0AD3-BA03-5FE8-03FA88A24915}"/>
+                <a16:creationId xmlns:a16="http://schemas.microsoft.com/office/drawing/2014/main" id="{CA194971-3675-8D67-FD57-7407C6433602}"/>
               </a:ext>
             </a:extLst>
           </p:cNvPr>
@@ -1185,7 +1185,7 @@
           <a:bodyPr/>
           <a:lstStyle/>
           <a:p>
-            <a:fld id="{FD08BD83-F1E9-4286-975E-E382552E5406}" type="slidenum">
+            <a:fld id="{78B78BC1-CC74-42E1-AC55-73C3574E4544}" type="slidenum">
               <a:rPr lang="zh-CN" altLang="en-US" smtClean="0"/>
               <a:t>‹#›</a:t>
             </a:fld>
@@ -1196,7 +1196,7 @@
     </p:spTree>
     <p:extLst>
       <p:ext uri="{BB962C8B-B14F-4D97-AF65-F5344CB8AC3E}">
-        <p14:creationId xmlns:p14="http://schemas.microsoft.com/office/powerpoint/2010/main" val="3945459173"/>
+        <p14:creationId xmlns:p14="http://schemas.microsoft.com/office/powerpoint/2010/main" val="356971452"/>
       </p:ext>
     </p:extLst>
   </p:cSld>
@@ -1228,7 +1228,7 @@
           <p:cNvPr id="2" name="标题 1">
             <a:extLst>
               <a:ext uri="{FF2B5EF4-FFF2-40B4-BE49-F238E27FC236}">
-                <a16:creationId xmlns:a16="http://schemas.microsoft.com/office/drawing/2014/main" id="{88AB3AB0-7D87-95CE-7ECD-EC37B725D960}"/>
+                <a16:creationId xmlns:a16="http://schemas.microsoft.com/office/drawing/2014/main" id="{8717BCF5-EBB1-DD0B-AC4A-BC38E2F2FC8B}"/>
               </a:ext>
             </a:extLst>
           </p:cNvPr>
@@ -1256,7 +1256,7 @@
           <p:cNvPr id="3" name="内容占位符 2">
             <a:extLst>
               <a:ext uri="{FF2B5EF4-FFF2-40B4-BE49-F238E27FC236}">
-                <a16:creationId xmlns:a16="http://schemas.microsoft.com/office/drawing/2014/main" id="{4B1697BA-B389-0F51-2275-303FB7733D85}"/>
+                <a16:creationId xmlns:a16="http://schemas.microsoft.com/office/drawing/2014/main" id="{93B9A007-2D12-95D0-42E2-C0D85AF084A7}"/>
               </a:ext>
             </a:extLst>
           </p:cNvPr>
@@ -1318,7 +1318,7 @@
           <p:cNvPr id="4" name="内容占位符 3">
             <a:extLst>
               <a:ext uri="{FF2B5EF4-FFF2-40B4-BE49-F238E27FC236}">
-                <a16:creationId xmlns:a16="http://schemas.microsoft.com/office/drawing/2014/main" id="{273136D1-1E14-873F-3993-818BA6805F77}"/>
+                <a16:creationId xmlns:a16="http://schemas.microsoft.com/office/drawing/2014/main" id="{F3BB5D24-EE0A-A414-69F2-FC5D0FD16AF0}"/>
               </a:ext>
             </a:extLst>
           </p:cNvPr>
@@ -1380,7 +1380,7 @@
           <p:cNvPr id="5" name="日期占位符 4">
             <a:extLst>
               <a:ext uri="{FF2B5EF4-FFF2-40B4-BE49-F238E27FC236}">
-                <a16:creationId xmlns:a16="http://schemas.microsoft.com/office/drawing/2014/main" id="{E9045DE7-ADA9-7B65-EF9A-4AC4DA746633}"/>
+                <a16:creationId xmlns:a16="http://schemas.microsoft.com/office/drawing/2014/main" id="{6CA3EFF3-6830-B2E8-C184-39554C12C548}"/>
               </a:ext>
             </a:extLst>
           </p:cNvPr>
@@ -1396,7 +1396,7 @@
           <a:bodyPr/>
           <a:lstStyle/>
           <a:p>
-            <a:fld id="{6758F69F-C108-4077-AD7F-315F5E245E4C}" type="datetimeFigureOut">
+            <a:fld id="{7FFA9157-9C36-4345-B00E-A3BCD445774E}" type="datetimeFigureOut">
               <a:rPr lang="zh-CN" altLang="en-US" smtClean="0"/>
               <a:t>2024/3/10</a:t>
             </a:fld>
@@ -1409,7 +1409,7 @@
           <p:cNvPr id="6" name="页脚占位符 5">
             <a:extLst>
               <a:ext uri="{FF2B5EF4-FFF2-40B4-BE49-F238E27FC236}">
-                <a16:creationId xmlns:a16="http://schemas.microsoft.com/office/drawing/2014/main" id="{0E4949D5-A6B9-3FEC-0D6B-AFDC41D5D80C}"/>
+                <a16:creationId xmlns:a16="http://schemas.microsoft.com/office/drawing/2014/main" id="{E87A2EF7-89B6-C6CB-FBDE-553C15EFEA70}"/>
               </a:ext>
             </a:extLst>
           </p:cNvPr>
@@ -1434,7 +1434,7 @@
           <p:cNvPr id="7" name="灯片编号占位符 6">
             <a:extLst>
               <a:ext uri="{FF2B5EF4-FFF2-40B4-BE49-F238E27FC236}">
-                <a16:creationId xmlns:a16="http://schemas.microsoft.com/office/drawing/2014/main" id="{2CBEE571-073A-DCDA-D973-0A795C3C1A2B}"/>
+                <a16:creationId xmlns:a16="http://schemas.microsoft.com/office/drawing/2014/main" id="{A43AF794-D012-D403-CBB2-484C40977352}"/>
               </a:ext>
             </a:extLst>
           </p:cNvPr>
@@ -1450,7 +1450,7 @@
           <a:bodyPr/>
           <a:lstStyle/>
           <a:p>
-            <a:fld id="{FD08BD83-F1E9-4286-975E-E382552E5406}" type="slidenum">
+            <a:fld id="{78B78BC1-CC74-42E1-AC55-73C3574E4544}" type="slidenum">
               <a:rPr lang="zh-CN" altLang="en-US" smtClean="0"/>
               <a:t>‹#›</a:t>
             </a:fld>
@@ -1461,7 +1461,7 @@
     </p:spTree>
     <p:extLst>
       <p:ext uri="{BB962C8B-B14F-4D97-AF65-F5344CB8AC3E}">
-        <p14:creationId xmlns:p14="http://schemas.microsoft.com/office/powerpoint/2010/main" val="370906019"/>
+        <p14:creationId xmlns:p14="http://schemas.microsoft.com/office/powerpoint/2010/main" val="2105505153"/>
       </p:ext>
     </p:extLst>
   </p:cSld>
@@ -1493,7 +1493,7 @@
           <p:cNvPr id="2" name="标题 1">
             <a:extLst>
               <a:ext uri="{FF2B5EF4-FFF2-40B4-BE49-F238E27FC236}">
-                <a16:creationId xmlns:a16="http://schemas.microsoft.com/office/drawing/2014/main" id="{BEA4C0BE-CDBC-BB5C-BC43-E78F2A688AD9}"/>
+                <a16:creationId xmlns:a16="http://schemas.microsoft.com/office/drawing/2014/main" id="{374112E3-132A-706F-2C44-F2A4F3C57907}"/>
               </a:ext>
             </a:extLst>
           </p:cNvPr>
@@ -1526,7 +1526,7 @@
           <p:cNvPr id="3" name="文本占位符 2">
             <a:extLst>
               <a:ext uri="{FF2B5EF4-FFF2-40B4-BE49-F238E27FC236}">
-                <a16:creationId xmlns:a16="http://schemas.microsoft.com/office/drawing/2014/main" id="{73C93BB6-B54C-C76F-8E7F-3156818C1979}"/>
+                <a16:creationId xmlns:a16="http://schemas.microsoft.com/office/drawing/2014/main" id="{9B560579-9EC8-68BB-7B33-8CEF8027F4BE}"/>
               </a:ext>
             </a:extLst>
           </p:cNvPr>
@@ -1597,7 +1597,7 @@
           <p:cNvPr id="4" name="内容占位符 3">
             <a:extLst>
               <a:ext uri="{FF2B5EF4-FFF2-40B4-BE49-F238E27FC236}">
-                <a16:creationId xmlns:a16="http://schemas.microsoft.com/office/drawing/2014/main" id="{CF6E5612-9E9A-A722-1ACB-9D195A1F207B}"/>
+                <a16:creationId xmlns:a16="http://schemas.microsoft.com/office/drawing/2014/main" id="{C319846A-896E-0F9B-050E-5E0BA3E1CA94}"/>
               </a:ext>
             </a:extLst>
           </p:cNvPr>
@@ -1659,7 +1659,7 @@
           <p:cNvPr id="5" name="文本占位符 4">
             <a:extLst>
               <a:ext uri="{FF2B5EF4-FFF2-40B4-BE49-F238E27FC236}">
-                <a16:creationId xmlns:a16="http://schemas.microsoft.com/office/drawing/2014/main" id="{72A97694-F21C-CA24-0086-BD9D46537ED8}"/>
+                <a16:creationId xmlns:a16="http://schemas.microsoft.com/office/drawing/2014/main" id="{37F64EA3-1474-C932-EB5A-99AD6160C868}"/>
               </a:ext>
             </a:extLst>
           </p:cNvPr>
@@ -1730,7 +1730,7 @@
           <p:cNvPr id="6" name="内容占位符 5">
             <a:extLst>
               <a:ext uri="{FF2B5EF4-FFF2-40B4-BE49-F238E27FC236}">
-                <a16:creationId xmlns:a16="http://schemas.microsoft.com/office/drawing/2014/main" id="{2C67B645-94AA-C078-D111-2C78EB597AD2}"/>
+                <a16:creationId xmlns:a16="http://schemas.microsoft.com/office/drawing/2014/main" id="{710A1982-C124-1D2F-8AB5-C52A7D3609ED}"/>
               </a:ext>
             </a:extLst>
           </p:cNvPr>
@@ -1792,7 +1792,7 @@
           <p:cNvPr id="7" name="日期占位符 6">
             <a:extLst>
               <a:ext uri="{FF2B5EF4-FFF2-40B4-BE49-F238E27FC236}">
-                <a16:creationId xmlns:a16="http://schemas.microsoft.com/office/drawing/2014/main" id="{AD397D74-A535-68AC-BD12-D007B3DFE15B}"/>
+                <a16:creationId xmlns:a16="http://schemas.microsoft.com/office/drawing/2014/main" id="{A52445D8-2271-A7A6-B501-D380F046407F}"/>
               </a:ext>
             </a:extLst>
           </p:cNvPr>
@@ -1808,7 +1808,7 @@
           <a:bodyPr/>
           <a:lstStyle/>
           <a:p>
-            <a:fld id="{6758F69F-C108-4077-AD7F-315F5E245E4C}" type="datetimeFigureOut">
+            <a:fld id="{7FFA9157-9C36-4345-B00E-A3BCD445774E}" type="datetimeFigureOut">
               <a:rPr lang="zh-CN" altLang="en-US" smtClean="0"/>
               <a:t>2024/3/10</a:t>
             </a:fld>
@@ -1821,7 +1821,7 @@
           <p:cNvPr id="8" name="页脚占位符 7">
             <a:extLst>
               <a:ext uri="{FF2B5EF4-FFF2-40B4-BE49-F238E27FC236}">
-                <a16:creationId xmlns:a16="http://schemas.microsoft.com/office/drawing/2014/main" id="{69DF579A-A534-14B2-8D92-815B7DE8D359}"/>
+                <a16:creationId xmlns:a16="http://schemas.microsoft.com/office/drawing/2014/main" id="{6C81A179-8560-7ABA-D886-D2AFAFC3CFBD}"/>
               </a:ext>
             </a:extLst>
           </p:cNvPr>
@@ -1846,7 +1846,7 @@
           <p:cNvPr id="9" name="灯片编号占位符 8">
             <a:extLst>
               <a:ext uri="{FF2B5EF4-FFF2-40B4-BE49-F238E27FC236}">
-                <a16:creationId xmlns:a16="http://schemas.microsoft.com/office/drawing/2014/main" id="{38B029E8-FC97-E8AA-7BD3-17F5A3081A46}"/>
+                <a16:creationId xmlns:a16="http://schemas.microsoft.com/office/drawing/2014/main" id="{A8E31030-48AC-42B0-D1B4-15E0D81F1A13}"/>
               </a:ext>
             </a:extLst>
           </p:cNvPr>
@@ -1862,7 +1862,7 @@
           <a:bodyPr/>
           <a:lstStyle/>
           <a:p>
-            <a:fld id="{FD08BD83-F1E9-4286-975E-E382552E5406}" type="slidenum">
+            <a:fld id="{78B78BC1-CC74-42E1-AC55-73C3574E4544}" type="slidenum">
               <a:rPr lang="zh-CN" altLang="en-US" smtClean="0"/>
               <a:t>‹#›</a:t>
             </a:fld>
@@ -1873,7 +1873,7 @@
     </p:spTree>
     <p:extLst>
       <p:ext uri="{BB962C8B-B14F-4D97-AF65-F5344CB8AC3E}">
-        <p14:creationId xmlns:p14="http://schemas.microsoft.com/office/powerpoint/2010/main" val="2237905033"/>
+        <p14:creationId xmlns:p14="http://schemas.microsoft.com/office/powerpoint/2010/main" val="2370986970"/>
       </p:ext>
     </p:extLst>
   </p:cSld>
@@ -1905,7 +1905,7 @@
           <p:cNvPr id="2" name="标题 1">
             <a:extLst>
               <a:ext uri="{FF2B5EF4-FFF2-40B4-BE49-F238E27FC236}">
-                <a16:creationId xmlns:a16="http://schemas.microsoft.com/office/drawing/2014/main" id="{505F22D0-24E3-68C8-7132-17DB0626AC40}"/>
+                <a16:creationId xmlns:a16="http://schemas.microsoft.com/office/drawing/2014/main" id="{35301441-033A-D6C7-A322-78AB71C39DA9}"/>
               </a:ext>
             </a:extLst>
           </p:cNvPr>
@@ -1933,7 +1933,7 @@
           <p:cNvPr id="3" name="日期占位符 2">
             <a:extLst>
               <a:ext uri="{FF2B5EF4-FFF2-40B4-BE49-F238E27FC236}">
-                <a16:creationId xmlns:a16="http://schemas.microsoft.com/office/drawing/2014/main" id="{C8CCABC3-8957-BB2E-DBC4-60B27C6FA2E3}"/>
+                <a16:creationId xmlns:a16="http://schemas.microsoft.com/office/drawing/2014/main" id="{26A8A325-A532-9835-8C08-5D6D561E82C6}"/>
               </a:ext>
             </a:extLst>
           </p:cNvPr>
@@ -1949,7 +1949,7 @@
           <a:bodyPr/>
           <a:lstStyle/>
           <a:p>
-            <a:fld id="{6758F69F-C108-4077-AD7F-315F5E245E4C}" type="datetimeFigureOut">
+            <a:fld id="{7FFA9157-9C36-4345-B00E-A3BCD445774E}" type="datetimeFigureOut">
               <a:rPr lang="zh-CN" altLang="en-US" smtClean="0"/>
               <a:t>2024/3/10</a:t>
             </a:fld>
@@ -1962,7 +1962,7 @@
           <p:cNvPr id="4" name="页脚占位符 3">
             <a:extLst>
               <a:ext uri="{FF2B5EF4-FFF2-40B4-BE49-F238E27FC236}">
-                <a16:creationId xmlns:a16="http://schemas.microsoft.com/office/drawing/2014/main" id="{83975CE7-8829-6334-33B8-0A3CD85A987D}"/>
+                <a16:creationId xmlns:a16="http://schemas.microsoft.com/office/drawing/2014/main" id="{A62BB141-C412-FBFD-ED7E-C99F3F91793A}"/>
               </a:ext>
             </a:extLst>
           </p:cNvPr>
@@ -1987,7 +1987,7 @@
           <p:cNvPr id="5" name="灯片编号占位符 4">
             <a:extLst>
               <a:ext uri="{FF2B5EF4-FFF2-40B4-BE49-F238E27FC236}">
-                <a16:creationId xmlns:a16="http://schemas.microsoft.com/office/drawing/2014/main" id="{296841F4-7813-73CD-5C18-9A22E2178A44}"/>
+                <a16:creationId xmlns:a16="http://schemas.microsoft.com/office/drawing/2014/main" id="{C345717E-C2B0-871A-5964-44F33E1C47B4}"/>
               </a:ext>
             </a:extLst>
           </p:cNvPr>
@@ -2003,7 +2003,7 @@
           <a:bodyPr/>
           <a:lstStyle/>
           <a:p>
-            <a:fld id="{FD08BD83-F1E9-4286-975E-E382552E5406}" type="slidenum">
+            <a:fld id="{78B78BC1-CC74-42E1-AC55-73C3574E4544}" type="slidenum">
               <a:rPr lang="zh-CN" altLang="en-US" smtClean="0"/>
               <a:t>‹#›</a:t>
             </a:fld>
@@ -2014,7 +2014,7 @@
     </p:spTree>
     <p:extLst>
       <p:ext uri="{BB962C8B-B14F-4D97-AF65-F5344CB8AC3E}">
-        <p14:creationId xmlns:p14="http://schemas.microsoft.com/office/powerpoint/2010/main" val="3458641699"/>
+        <p14:creationId xmlns:p14="http://schemas.microsoft.com/office/powerpoint/2010/main" val="3849548634"/>
       </p:ext>
     </p:extLst>
   </p:cSld>
@@ -2046,7 +2046,7 @@
           <p:cNvPr id="2" name="日期占位符 1">
             <a:extLst>
               <a:ext uri="{FF2B5EF4-FFF2-40B4-BE49-F238E27FC236}">
-                <a16:creationId xmlns:a16="http://schemas.microsoft.com/office/drawing/2014/main" id="{1A3DD94E-74D2-B45D-6D20-935ED23EDA88}"/>
+                <a16:creationId xmlns:a16="http://schemas.microsoft.com/office/drawing/2014/main" id="{648742D3-C3E0-2E4A-60CB-F668C0F0DD22}"/>
               </a:ext>
             </a:extLst>
           </p:cNvPr>
@@ -2062,7 +2062,7 @@
           <a:bodyPr/>
           <a:lstStyle/>
           <a:p>
-            <a:fld id="{6758F69F-C108-4077-AD7F-315F5E245E4C}" type="datetimeFigureOut">
+            <a:fld id="{7FFA9157-9C36-4345-B00E-A3BCD445774E}" type="datetimeFigureOut">
               <a:rPr lang="zh-CN" altLang="en-US" smtClean="0"/>
               <a:t>2024/3/10</a:t>
             </a:fld>
@@ -2075,7 +2075,7 @@
           <p:cNvPr id="3" name="页脚占位符 2">
             <a:extLst>
               <a:ext uri="{FF2B5EF4-FFF2-40B4-BE49-F238E27FC236}">
-                <a16:creationId xmlns:a16="http://schemas.microsoft.com/office/drawing/2014/main" id="{38B6AF2D-09B9-2127-7F73-63577CCB6224}"/>
+                <a16:creationId xmlns:a16="http://schemas.microsoft.com/office/drawing/2014/main" id="{E60210D8-2154-00C9-AE67-51C3CE8BF648}"/>
               </a:ext>
             </a:extLst>
           </p:cNvPr>
@@ -2100,7 +2100,7 @@
           <p:cNvPr id="4" name="灯片编号占位符 3">
             <a:extLst>
               <a:ext uri="{FF2B5EF4-FFF2-40B4-BE49-F238E27FC236}">
-                <a16:creationId xmlns:a16="http://schemas.microsoft.com/office/drawing/2014/main" id="{164DCC25-A83F-83F9-2399-2096BF47EB48}"/>
+                <a16:creationId xmlns:a16="http://schemas.microsoft.com/office/drawing/2014/main" id="{42C10D47-CA28-DB7D-BEC5-795F66809872}"/>
               </a:ext>
             </a:extLst>
           </p:cNvPr>
@@ -2116,7 +2116,7 @@
           <a:bodyPr/>
           <a:lstStyle/>
           <a:p>
-            <a:fld id="{FD08BD83-F1E9-4286-975E-E382552E5406}" type="slidenum">
+            <a:fld id="{78B78BC1-CC74-42E1-AC55-73C3574E4544}" type="slidenum">
               <a:rPr lang="zh-CN" altLang="en-US" smtClean="0"/>
               <a:t>‹#›</a:t>
             </a:fld>
@@ -2127,7 +2127,7 @@
     </p:spTree>
     <p:extLst>
       <p:ext uri="{BB962C8B-B14F-4D97-AF65-F5344CB8AC3E}">
-        <p14:creationId xmlns:p14="http://schemas.microsoft.com/office/powerpoint/2010/main" val="2369146477"/>
+        <p14:creationId xmlns:p14="http://schemas.microsoft.com/office/powerpoint/2010/main" val="3427824176"/>
       </p:ext>
     </p:extLst>
   </p:cSld>
@@ -2159,7 +2159,7 @@
           <p:cNvPr id="2" name="标题 1">
             <a:extLst>
               <a:ext uri="{FF2B5EF4-FFF2-40B4-BE49-F238E27FC236}">
-                <a16:creationId xmlns:a16="http://schemas.microsoft.com/office/drawing/2014/main" id="{E03E4E65-58BD-3518-25AF-D265A13D87C0}"/>
+                <a16:creationId xmlns:a16="http://schemas.microsoft.com/office/drawing/2014/main" id="{ECCEDAD7-E9E6-A435-E09D-234AFDB5685B}"/>
               </a:ext>
             </a:extLst>
           </p:cNvPr>
@@ -2196,7 +2196,7 @@
           <p:cNvPr id="3" name="内容占位符 2">
             <a:extLst>
               <a:ext uri="{FF2B5EF4-FFF2-40B4-BE49-F238E27FC236}">
-                <a16:creationId xmlns:a16="http://schemas.microsoft.com/office/drawing/2014/main" id="{0B8E76F0-B235-D79C-D080-68C97EFDDFE0}"/>
+                <a16:creationId xmlns:a16="http://schemas.microsoft.com/office/drawing/2014/main" id="{5077D8BF-016E-C23D-B9FE-561AA3302AF7}"/>
               </a:ext>
             </a:extLst>
           </p:cNvPr>
@@ -2286,7 +2286,7 @@
           <p:cNvPr id="4" name="文本占位符 3">
             <a:extLst>
               <a:ext uri="{FF2B5EF4-FFF2-40B4-BE49-F238E27FC236}">
-                <a16:creationId xmlns:a16="http://schemas.microsoft.com/office/drawing/2014/main" id="{7A3597F6-2F1A-F119-6729-7709A89DFD5E}"/>
+                <a16:creationId xmlns:a16="http://schemas.microsoft.com/office/drawing/2014/main" id="{FA948C7F-3853-280C-E740-8F5A1B277EFC}"/>
               </a:ext>
             </a:extLst>
           </p:cNvPr>
@@ -2357,7 +2357,7 @@
           <p:cNvPr id="5" name="日期占位符 4">
             <a:extLst>
               <a:ext uri="{FF2B5EF4-FFF2-40B4-BE49-F238E27FC236}">
-                <a16:creationId xmlns:a16="http://schemas.microsoft.com/office/drawing/2014/main" id="{856279CB-D4A0-9E63-1E8E-3A9878D532CF}"/>
+                <a16:creationId xmlns:a16="http://schemas.microsoft.com/office/drawing/2014/main" id="{13F847F6-8227-E7A0-A50A-0405D6A7B4C6}"/>
               </a:ext>
             </a:extLst>
           </p:cNvPr>
@@ -2373,7 +2373,7 @@
           <a:bodyPr/>
           <a:lstStyle/>
           <a:p>
-            <a:fld id="{6758F69F-C108-4077-AD7F-315F5E245E4C}" type="datetimeFigureOut">
+            <a:fld id="{7FFA9157-9C36-4345-B00E-A3BCD445774E}" type="datetimeFigureOut">
               <a:rPr lang="zh-CN" altLang="en-US" smtClean="0"/>
               <a:t>2024/3/10</a:t>
             </a:fld>
@@ -2386,7 +2386,7 @@
           <p:cNvPr id="6" name="页脚占位符 5">
             <a:extLst>
               <a:ext uri="{FF2B5EF4-FFF2-40B4-BE49-F238E27FC236}">
-                <a16:creationId xmlns:a16="http://schemas.microsoft.com/office/drawing/2014/main" id="{69C5661B-54EE-B412-6E32-0DA82F86522A}"/>
+                <a16:creationId xmlns:a16="http://schemas.microsoft.com/office/drawing/2014/main" id="{28CBAA97-1519-8C4A-4B3C-25C81CC24C19}"/>
               </a:ext>
             </a:extLst>
           </p:cNvPr>
@@ -2411,7 +2411,7 @@
           <p:cNvPr id="7" name="灯片编号占位符 6">
             <a:extLst>
               <a:ext uri="{FF2B5EF4-FFF2-40B4-BE49-F238E27FC236}">
-                <a16:creationId xmlns:a16="http://schemas.microsoft.com/office/drawing/2014/main" id="{53F6C68C-2131-8350-BD39-F5B4E70BF8A6}"/>
+                <a16:creationId xmlns:a16="http://schemas.microsoft.com/office/drawing/2014/main" id="{E0D32BF3-E963-5F33-342E-9BAA35A9A224}"/>
               </a:ext>
             </a:extLst>
           </p:cNvPr>
@@ -2427,7 +2427,7 @@
           <a:bodyPr/>
           <a:lstStyle/>
           <a:p>
-            <a:fld id="{FD08BD83-F1E9-4286-975E-E382552E5406}" type="slidenum">
+            <a:fld id="{78B78BC1-CC74-42E1-AC55-73C3574E4544}" type="slidenum">
               <a:rPr lang="zh-CN" altLang="en-US" smtClean="0"/>
               <a:t>‹#›</a:t>
             </a:fld>
@@ -2438,7 +2438,7 @@
     </p:spTree>
     <p:extLst>
       <p:ext uri="{BB962C8B-B14F-4D97-AF65-F5344CB8AC3E}">
-        <p14:creationId xmlns:p14="http://schemas.microsoft.com/office/powerpoint/2010/main" val="1394122369"/>
+        <p14:creationId xmlns:p14="http://schemas.microsoft.com/office/powerpoint/2010/main" val="2612869169"/>
       </p:ext>
     </p:extLst>
   </p:cSld>
@@ -2470,7 +2470,7 @@
           <p:cNvPr id="2" name="标题 1">
             <a:extLst>
               <a:ext uri="{FF2B5EF4-FFF2-40B4-BE49-F238E27FC236}">
-                <a16:creationId xmlns:a16="http://schemas.microsoft.com/office/drawing/2014/main" id="{43C03BFA-64FD-F75F-22E7-8B22BFAB0DBC}"/>
+                <a16:creationId xmlns:a16="http://schemas.microsoft.com/office/drawing/2014/main" id="{C2655109-53A7-4422-B3FF-BE9069AE417C}"/>
               </a:ext>
             </a:extLst>
           </p:cNvPr>
@@ -2507,7 +2507,7 @@
           <p:cNvPr id="3" name="图片占位符 2">
             <a:extLst>
               <a:ext uri="{FF2B5EF4-FFF2-40B4-BE49-F238E27FC236}">
-                <a16:creationId xmlns:a16="http://schemas.microsoft.com/office/drawing/2014/main" id="{DE6967EA-AAE3-A851-7666-A9913CD87EB9}"/>
+                <a16:creationId xmlns:a16="http://schemas.microsoft.com/office/drawing/2014/main" id="{DC5D7F44-9614-94BC-3FFB-CC3ECCA1DB0D}"/>
               </a:ext>
             </a:extLst>
           </p:cNvPr>
@@ -2574,7 +2574,7 @@
           <p:cNvPr id="4" name="文本占位符 3">
             <a:extLst>
               <a:ext uri="{FF2B5EF4-FFF2-40B4-BE49-F238E27FC236}">
-                <a16:creationId xmlns:a16="http://schemas.microsoft.com/office/drawing/2014/main" id="{18CBF332-0C23-C40E-0D63-52B90D0F9EBC}"/>
+                <a16:creationId xmlns:a16="http://schemas.microsoft.com/office/drawing/2014/main" id="{DE8BCE04-A63B-F443-9469-2C8C1254A0F1}"/>
               </a:ext>
             </a:extLst>
           </p:cNvPr>
@@ -2645,7 +2645,7 @@
           <p:cNvPr id="5" name="日期占位符 4">
             <a:extLst>
               <a:ext uri="{FF2B5EF4-FFF2-40B4-BE49-F238E27FC236}">
-                <a16:creationId xmlns:a16="http://schemas.microsoft.com/office/drawing/2014/main" id="{D262C553-5F80-8868-FC5B-D8F521CAC4C4}"/>
+                <a16:creationId xmlns:a16="http://schemas.microsoft.com/office/drawing/2014/main" id="{202F135C-B228-6A11-AA80-60AFB5F5A61E}"/>
               </a:ext>
             </a:extLst>
           </p:cNvPr>
@@ -2661,7 +2661,7 @@
           <a:bodyPr/>
           <a:lstStyle/>
           <a:p>
-            <a:fld id="{6758F69F-C108-4077-AD7F-315F5E245E4C}" type="datetimeFigureOut">
+            <a:fld id="{7FFA9157-9C36-4345-B00E-A3BCD445774E}" type="datetimeFigureOut">
               <a:rPr lang="zh-CN" altLang="en-US" smtClean="0"/>
               <a:t>2024/3/10</a:t>
             </a:fld>
@@ -2674,7 +2674,7 @@
           <p:cNvPr id="6" name="页脚占位符 5">
             <a:extLst>
               <a:ext uri="{FF2B5EF4-FFF2-40B4-BE49-F238E27FC236}">
-                <a16:creationId xmlns:a16="http://schemas.microsoft.com/office/drawing/2014/main" id="{0FA56523-8C7C-58DE-C9F7-AE90D29BFFD8}"/>
+                <a16:creationId xmlns:a16="http://schemas.microsoft.com/office/drawing/2014/main" id="{9E095A4F-B055-9836-44E7-5B4A48CC04DF}"/>
               </a:ext>
             </a:extLst>
           </p:cNvPr>
@@ -2699,7 +2699,7 @@
           <p:cNvPr id="7" name="灯片编号占位符 6">
             <a:extLst>
               <a:ext uri="{FF2B5EF4-FFF2-40B4-BE49-F238E27FC236}">
-                <a16:creationId xmlns:a16="http://schemas.microsoft.com/office/drawing/2014/main" id="{560E0246-E28C-AC67-CC3E-78B1C4B1FB62}"/>
+                <a16:creationId xmlns:a16="http://schemas.microsoft.com/office/drawing/2014/main" id="{A403E3CE-3301-8EBF-3678-428628B74FD6}"/>
               </a:ext>
             </a:extLst>
           </p:cNvPr>
@@ -2715,7 +2715,7 @@
           <a:bodyPr/>
           <a:lstStyle/>
           <a:p>
-            <a:fld id="{FD08BD83-F1E9-4286-975E-E382552E5406}" type="slidenum">
+            <a:fld id="{78B78BC1-CC74-42E1-AC55-73C3574E4544}" type="slidenum">
               <a:rPr lang="zh-CN" altLang="en-US" smtClean="0"/>
               <a:t>‹#›</a:t>
             </a:fld>
@@ -2726,7 +2726,7 @@
     </p:spTree>
     <p:extLst>
       <p:ext uri="{BB962C8B-B14F-4D97-AF65-F5344CB8AC3E}">
-        <p14:creationId xmlns:p14="http://schemas.microsoft.com/office/powerpoint/2010/main" val="1511600573"/>
+        <p14:creationId xmlns:p14="http://schemas.microsoft.com/office/powerpoint/2010/main" val="4187700763"/>
       </p:ext>
     </p:extLst>
   </p:cSld>
@@ -2763,7 +2763,7 @@
           <p:cNvPr id="2" name="标题占位符 1">
             <a:extLst>
               <a:ext uri="{FF2B5EF4-FFF2-40B4-BE49-F238E27FC236}">
-                <a16:creationId xmlns:a16="http://schemas.microsoft.com/office/drawing/2014/main" id="{28A0A9DC-3259-E320-FB35-21DDCFF7486A}"/>
+                <a16:creationId xmlns:a16="http://schemas.microsoft.com/office/drawing/2014/main" id="{16617FE4-7817-DA49-77C3-ADEE448CB71C}"/>
               </a:ext>
             </a:extLst>
           </p:cNvPr>
@@ -2801,7 +2801,7 @@
           <p:cNvPr id="3" name="文本占位符 2">
             <a:extLst>
               <a:ext uri="{FF2B5EF4-FFF2-40B4-BE49-F238E27FC236}">
-                <a16:creationId xmlns:a16="http://schemas.microsoft.com/office/drawing/2014/main" id="{0B693F74-FE10-C6DC-E39E-2B2B253E4C32}"/>
+                <a16:creationId xmlns:a16="http://schemas.microsoft.com/office/drawing/2014/main" id="{D6375692-C712-F886-D310-02E59120AC18}"/>
               </a:ext>
             </a:extLst>
           </p:cNvPr>
@@ -2868,7 +2868,7 @@
           <p:cNvPr id="4" name="日期占位符 3">
             <a:extLst>
               <a:ext uri="{FF2B5EF4-FFF2-40B4-BE49-F238E27FC236}">
-                <a16:creationId xmlns:a16="http://schemas.microsoft.com/office/drawing/2014/main" id="{4A1240C4-CB25-E971-F3F9-921E0087D4BD}"/>
+                <a16:creationId xmlns:a16="http://schemas.microsoft.com/office/drawing/2014/main" id="{170B5EC9-0BA4-2E39-4639-953E2FB07D3E}"/>
               </a:ext>
             </a:extLst>
           </p:cNvPr>
@@ -2902,7 +2902,7 @@
             </a:lvl1pPr>
           </a:lstStyle>
           <a:p>
-            <a:fld id="{6758F69F-C108-4077-AD7F-315F5E245E4C}" type="datetimeFigureOut">
+            <a:fld id="{7FFA9157-9C36-4345-B00E-A3BCD445774E}" type="datetimeFigureOut">
               <a:rPr lang="zh-CN" altLang="en-US" smtClean="0"/>
               <a:t>2024/3/10</a:t>
             </a:fld>
@@ -2915,7 +2915,7 @@
           <p:cNvPr id="5" name="页脚占位符 4">
             <a:extLst>
               <a:ext uri="{FF2B5EF4-FFF2-40B4-BE49-F238E27FC236}">
-                <a16:creationId xmlns:a16="http://schemas.microsoft.com/office/drawing/2014/main" id="{55EBB24F-BF10-C049-5378-14165D5DB52A}"/>
+                <a16:creationId xmlns:a16="http://schemas.microsoft.com/office/drawing/2014/main" id="{38A1AA40-DFC7-22C4-1CD6-1CB5B59BA6D2}"/>
               </a:ext>
             </a:extLst>
           </p:cNvPr>
@@ -2958,7 +2958,7 @@
           <p:cNvPr id="6" name="灯片编号占位符 5">
             <a:extLst>
               <a:ext uri="{FF2B5EF4-FFF2-40B4-BE49-F238E27FC236}">
-                <a16:creationId xmlns:a16="http://schemas.microsoft.com/office/drawing/2014/main" id="{BFF6B67B-FF1D-D1C1-1A02-25DCB18D6653}"/>
+                <a16:creationId xmlns:a16="http://schemas.microsoft.com/office/drawing/2014/main" id="{31A22989-F2D0-41E4-0C1A-46857DFA5955}"/>
               </a:ext>
             </a:extLst>
           </p:cNvPr>
@@ -2992,7 +2992,7 @@
             </a:lvl1pPr>
           </a:lstStyle>
           <a:p>
-            <a:fld id="{FD08BD83-F1E9-4286-975E-E382552E5406}" type="slidenum">
+            <a:fld id="{78B78BC1-CC74-42E1-AC55-73C3574E4544}" type="slidenum">
               <a:rPr lang="zh-CN" altLang="en-US" smtClean="0"/>
               <a:t>‹#›</a:t>
             </a:fld>
@@ -3003,7 +3003,7 @@
     </p:spTree>
     <p:extLst>
       <p:ext uri="{BB962C8B-B14F-4D97-AF65-F5344CB8AC3E}">
-        <p14:creationId xmlns:p14="http://schemas.microsoft.com/office/powerpoint/2010/main" val="2175025219"/>
+        <p14:creationId xmlns:p14="http://schemas.microsoft.com/office/powerpoint/2010/main" val="1926195777"/>
       </p:ext>
     </p:extLst>
   </p:cSld>
@@ -3323,7 +3323,7 @@
       </p:grpSpPr>
       <p:pic>
         <p:nvPicPr>
-          <p:cNvPr id="698370" name="Picture 2" descr="681"/>
+          <p:cNvPr id="699394" name="Picture 2" descr="682"/>
           <p:cNvPicPr>
             <a:picLocks noChangeAspect="1" noChangeArrowheads="1"/>
           </p:cNvPicPr>
@@ -3375,11 +3375,158 @@
           </a:extLst>
         </p:spPr>
       </p:pic>
+      <p:pic>
+        <p:nvPicPr>
+          <p:cNvPr id="700419" name="Picture 3" descr="682-2"/>
+          <p:cNvPicPr>
+            <a:picLocks noChangeAspect="1" noChangeArrowheads="1"/>
+          </p:cNvPicPr>
+          <p:nvPr/>
+        </p:nvPicPr>
+        <p:blipFill>
+          <a:blip r:embed="rId3">
+            <a:extLst>
+              <a:ext uri="{28A0092B-C50C-407E-A947-70E740481C1C}">
+                <a14:useLocalDpi xmlns:a14="http://schemas.microsoft.com/office/drawing/2010/main" val="0"/>
+              </a:ext>
+            </a:extLst>
+          </a:blip>
+          <a:srcRect/>
+          <a:stretch>
+            <a:fillRect/>
+          </a:stretch>
+        </p:blipFill>
+        <p:spPr bwMode="auto">
+          <a:xfrm>
+            <a:off x="1560513" y="0"/>
+            <a:ext cx="9144000" cy="6858000"/>
+          </a:xfrm>
+          <a:prstGeom prst="rect">
+            <a:avLst/>
+          </a:prstGeom>
+          <a:noFill/>
+          <a:ln>
+            <a:noFill/>
+          </a:ln>
+          <a:effectLst/>
+          <a:extLst>
+            <a:ext uri="{909E8E84-426E-40DD-AFC4-6F175D3DCCD1}">
+              <a14:hiddenFill xmlns:a14="http://schemas.microsoft.com/office/drawing/2010/main">
+                <a:solidFill>
+                  <a:srgbClr val="FFFFFF"/>
+                </a:solidFill>
+              </a14:hiddenFill>
+            </a:ext>
+            <a:ext uri="{91240B29-F687-4F45-9708-019B960494DF}">
+              <a14:hiddenLine xmlns:a14="http://schemas.microsoft.com/office/drawing/2010/main" w="9525">
+                <a:solidFill>
+                  <a:srgbClr val="000000"/>
+                </a:solidFill>
+                <a:miter lim="800000"/>
+                <a:headEnd/>
+                <a:tailEnd/>
+              </a14:hiddenLine>
+            </a:ext>
+            <a:ext uri="{AF507438-7753-43E0-B8FC-AC1667EBCBE1}">
+              <a14:hiddenEffects xmlns:a14="http://schemas.microsoft.com/office/drawing/2010/main">
+                <a:effectLst>
+                  <a:outerShdw dist="35921" dir="2700000" algn="ctr" rotWithShape="0">
+                    <a:srgbClr val="808080"/>
+                  </a:outerShdw>
+                </a:effectLst>
+              </a14:hiddenEffects>
+            </a:ext>
+          </a:extLst>
+        </p:spPr>
+      </p:pic>
     </p:spTree>
   </p:cSld>
   <p:clrMapOvr>
     <a:masterClrMapping/>
   </p:clrMapOvr>
+  <p:timing>
+    <p:tnLst>
+      <p:par>
+        <p:cTn id="1" dur="indefinite" restart="never" nodeType="tmRoot">
+          <p:childTnLst>
+            <p:seq concurrent="1" nextAc="seek">
+              <p:cTn id="2" dur="indefinite" nodeType="mainSeq">
+                <p:childTnLst>
+                  <p:par>
+                    <p:cTn id="3" fill="hold" nodeType="clickPar">
+                      <p:stCondLst>
+                        <p:cond delay="indefinite"/>
+                      </p:stCondLst>
+                      <p:childTnLst>
+                        <p:par>
+                          <p:cTn id="4" fill="hold" nodeType="withGroup">
+                            <p:stCondLst>
+                              <p:cond delay="0"/>
+                            </p:stCondLst>
+                            <p:childTnLst>
+                              <p:par>
+                                <p:cTn id="5" presetID="10" presetClass="entr" presetSubtype="0" fill="hold" nodeType="clickEffect">
+                                  <p:stCondLst>
+                                    <p:cond delay="0"/>
+                                  </p:stCondLst>
+                                  <p:childTnLst>
+                                    <p:set>
+                                      <p:cBhvr>
+                                        <p:cTn id="6" dur="1" fill="hold">
+                                          <p:stCondLst>
+                                            <p:cond delay="0"/>
+                                          </p:stCondLst>
+                                        </p:cTn>
+                                        <p:tgtEl>
+                                          <p:spTgt spid="700419"/>
+                                        </p:tgtEl>
+                                        <p:attrNameLst>
+                                          <p:attrName>style.visibility</p:attrName>
+                                        </p:attrNameLst>
+                                      </p:cBhvr>
+                                      <p:to>
+                                        <p:strVal val="visible"/>
+                                      </p:to>
+                                    </p:set>
+                                    <p:animEffect transition="in" filter="fade">
+                                      <p:cBhvr>
+                                        <p:cTn id="7" dur="500"/>
+                                        <p:tgtEl>
+                                          <p:spTgt spid="700419"/>
+                                        </p:tgtEl>
+                                      </p:cBhvr>
+                                    </p:animEffect>
+                                  </p:childTnLst>
+                                </p:cTn>
+                              </p:par>
+                            </p:childTnLst>
+                          </p:cTn>
+                        </p:par>
+                      </p:childTnLst>
+                    </p:cTn>
+                  </p:par>
+                </p:childTnLst>
+              </p:cTn>
+              <p:prevCondLst>
+                <p:cond evt="onPrev" delay="0">
+                  <p:tgtEl>
+                    <p:sldTgt/>
+                  </p:tgtEl>
+                </p:cond>
+              </p:prevCondLst>
+              <p:nextCondLst>
+                <p:cond evt="onNext" delay="0">
+                  <p:tgtEl>
+                    <p:sldTgt/>
+                  </p:tgtEl>
+                </p:cond>
+              </p:nextCondLst>
+            </p:seq>
+          </p:childTnLst>
+        </p:cTn>
+      </p:par>
+    </p:tnLst>
+  </p:timing>
 </p:sld>
 </file>
 
